--- a/rules.pptx
+++ b/rules.pptx
@@ -515,11 +515,7 @@
           <a:p>
             <a:r>
               <a:rPr lang="en-US" dirty="0" smtClean="0"/>
-              <a:t>-How Knowledge is represented and manipulated</a:t>
-            </a:r>
-            <a:r>
-              <a:rPr lang="en-US" dirty="0" smtClean="0"/>
-              <a:t>.</a:t>
+              <a:t>-How Knowledge is represented and manipulated.</a:t>
             </a:r>
           </a:p>
         </p:txBody>
@@ -3947,9 +3943,28 @@
           </a:p>
           <a:p>
             <a:r>
+              <a:rPr lang="en-US" dirty="0" err="1" smtClean="0"/>
+              <a:t>Stateful</a:t>
+            </a:r>
+            <a:r>
               <a:rPr lang="en-US" dirty="0" smtClean="0"/>
-              <a:t>State-full.</a:t>
-            </a:r>
+              <a:t>.</a:t>
+            </a:r>
+          </a:p>
+          <a:p>
+            <a:r>
+              <a:rPr lang="en-US" dirty="0" err="1" smtClean="0"/>
+              <a:t>Stateful</a:t>
+            </a:r>
+            <a:r>
+              <a:rPr lang="en-US" dirty="0" smtClean="0"/>
+              <a:t>/</a:t>
+            </a:r>
+            <a:r>
+              <a:rPr lang="en-US" smtClean="0"/>
+              <a:t>Stateless when to use one ?</a:t>
+            </a:r>
+            <a:endParaRPr lang="en-US" dirty="0" smtClean="0"/>
           </a:p>
           <a:p>
             <a:endParaRPr lang="en-US" dirty="0"/>
@@ -4224,13 +4239,8 @@
           <a:p>
             <a:r>
               <a:rPr lang="en-US" dirty="0" smtClean="0"/>
-              <a:t>The brain of a rules engine</a:t>
-            </a:r>
-            <a:r>
-              <a:rPr lang="en-US" dirty="0" smtClean="0"/>
-              <a:t>.</a:t>
-            </a:r>
-            <a:endParaRPr lang="en-US" dirty="0" smtClean="0"/>
+              <a:t>The brain of a rules engine.</a:t>
+            </a:r>
           </a:p>
           <a:p>
             <a:r>

--- a/rules.pptx
+++ b/rules.pptx
@@ -5,7 +5,7 @@
     <p:sldMasterId id="2147483648" r:id="rId1"/>
   </p:sldMasterIdLst>
   <p:notesMasterIdLst>
-    <p:notesMasterId r:id="rId12"/>
+    <p:notesMasterId r:id="rId13"/>
   </p:notesMasterIdLst>
   <p:sldIdLst>
     <p:sldId id="256" r:id="rId2"/>
@@ -16,8 +16,9 @@
     <p:sldId id="263" r:id="rId7"/>
     <p:sldId id="260" r:id="rId8"/>
     <p:sldId id="261" r:id="rId9"/>
-    <p:sldId id="262" r:id="rId10"/>
-    <p:sldId id="264" r:id="rId11"/>
+    <p:sldId id="266" r:id="rId10"/>
+    <p:sldId id="262" r:id="rId11"/>
+    <p:sldId id="264" r:id="rId12"/>
   </p:sldIdLst>
   <p:sldSz cx="9144000" cy="6858000" type="screen4x3"/>
   <p:notesSz cx="6858000" cy="9144000"/>
@@ -547,6 +548,98 @@
     <p:extLst>
       <p:ext uri="{BB962C8B-B14F-4D97-AF65-F5344CB8AC3E}">
         <p14:creationId xmlns:p14="http://schemas.microsoft.com/office/powerpoint/2010/main" val="4223287974"/>
+      </p:ext>
+    </p:extLst>
+  </p:cSld>
+  <p:clrMapOvr>
+    <a:masterClrMapping/>
+  </p:clrMapOvr>
+</p:notes>
+</file>
+
+<file path=ppt/notesSlides/notesSlide2.xml><?xml version="1.0" encoding="utf-8"?>
+<p:notes xmlns:a="http://schemas.openxmlformats.org/drawingml/2006/main" xmlns:r="http://schemas.openxmlformats.org/officeDocument/2006/relationships" xmlns:p="http://schemas.openxmlformats.org/presentationml/2006/main">
+  <p:cSld>
+    <p:spTree>
+      <p:nvGrpSpPr>
+        <p:cNvPr id="1" name=""/>
+        <p:cNvGrpSpPr/>
+        <p:nvPr/>
+      </p:nvGrpSpPr>
+      <p:grpSpPr>
+        <a:xfrm>
+          <a:off x="0" y="0"/>
+          <a:ext cx="0" cy="0"/>
+          <a:chOff x="0" y="0"/>
+          <a:chExt cx="0" cy="0"/>
+        </a:xfrm>
+      </p:grpSpPr>
+      <p:sp>
+        <p:nvSpPr>
+          <p:cNvPr id="2" name="Slide Image Placeholder 1"/>
+          <p:cNvSpPr>
+            <a:spLocks noGrp="1" noRot="1" noChangeAspect="1"/>
+          </p:cNvSpPr>
+          <p:nvPr>
+            <p:ph type="sldImg"/>
+          </p:nvPr>
+        </p:nvSpPr>
+        <p:spPr/>
+      </p:sp>
+      <p:sp>
+        <p:nvSpPr>
+          <p:cNvPr id="3" name="Notes Placeholder 2"/>
+          <p:cNvSpPr>
+            <a:spLocks noGrp="1"/>
+          </p:cNvSpPr>
+          <p:nvPr>
+            <p:ph type="body" idx="1"/>
+          </p:nvPr>
+        </p:nvSpPr>
+        <p:spPr/>
+        <p:txBody>
+          <a:bodyPr/>
+          <a:lstStyle/>
+          <a:p>
+            <a:r>
+              <a:rPr lang="en-US" dirty="0" smtClean="0"/>
+              <a:t>Knowledge agent is </a:t>
+            </a:r>
+            <a:r>
+              <a:rPr lang="en-US" smtClean="0"/>
+              <a:t>pull based.</a:t>
+            </a:r>
+            <a:endParaRPr lang="en-US"/>
+          </a:p>
+        </p:txBody>
+      </p:sp>
+      <p:sp>
+        <p:nvSpPr>
+          <p:cNvPr id="4" name="Slide Number Placeholder 3"/>
+          <p:cNvSpPr>
+            <a:spLocks noGrp="1"/>
+          </p:cNvSpPr>
+          <p:nvPr>
+            <p:ph type="sldNum" sz="quarter" idx="10"/>
+          </p:nvPr>
+        </p:nvSpPr>
+        <p:spPr/>
+        <p:txBody>
+          <a:bodyPr/>
+          <a:lstStyle/>
+          <a:p>
+            <a:fld id="{AD7B057B-C199-FB41-BD10-026BA6BB0BF9}" type="slidenum">
+              <a:rPr lang="en-US" smtClean="0"/>
+              <a:t>9</a:t>
+            </a:fld>
+            <a:endParaRPr lang="en-US"/>
+          </a:p>
+        </p:txBody>
+      </p:sp>
+    </p:spTree>
+    <p:extLst>
+      <p:ext uri="{BB962C8B-B14F-4D97-AF65-F5344CB8AC3E}">
+        <p14:creationId xmlns:p14="http://schemas.microsoft.com/office/powerpoint/2010/main" val="2701486720"/>
       </p:ext>
     </p:extLst>
   </p:cSld>
@@ -3614,6 +3707,108 @@
           <a:p>
             <a:r>
               <a:rPr lang="en-US" dirty="0" smtClean="0"/>
+              <a:t>Implementations</a:t>
+            </a:r>
+            <a:endParaRPr lang="en-US" dirty="0"/>
+          </a:p>
+        </p:txBody>
+      </p:sp>
+      <p:sp>
+        <p:nvSpPr>
+          <p:cNvPr id="3" name="Content Placeholder 2"/>
+          <p:cNvSpPr>
+            <a:spLocks noGrp="1"/>
+          </p:cNvSpPr>
+          <p:nvPr>
+            <p:ph idx="1"/>
+          </p:nvPr>
+        </p:nvSpPr>
+        <p:spPr/>
+        <p:txBody>
+          <a:bodyPr/>
+          <a:lstStyle/>
+          <a:p>
+            <a:r>
+              <a:rPr lang="en-US" dirty="0" smtClean="0"/>
+              <a:t>Examples are based on </a:t>
+            </a:r>
+            <a:r>
+              <a:rPr lang="en-US" dirty="0" err="1" smtClean="0"/>
+              <a:t>Jboss</a:t>
+            </a:r>
+            <a:r>
+              <a:rPr lang="en-US" dirty="0" smtClean="0"/>
+              <a:t> Rules/Drools.</a:t>
+            </a:r>
+          </a:p>
+          <a:p>
+            <a:r>
+              <a:rPr lang="en-US" dirty="0" smtClean="0"/>
+              <a:t>ILOG </a:t>
+            </a:r>
+          </a:p>
+          <a:p>
+            <a:r>
+              <a:rPr lang="en-US" dirty="0" smtClean="0"/>
+              <a:t>JESS</a:t>
+            </a:r>
+          </a:p>
+          <a:p>
+            <a:r>
+              <a:rPr lang="en-US" dirty="0" smtClean="0"/>
+              <a:t>Open Rules</a:t>
+            </a:r>
+            <a:endParaRPr lang="en-US" dirty="0"/>
+          </a:p>
+        </p:txBody>
+      </p:sp>
+    </p:spTree>
+    <p:extLst>
+      <p:ext uri="{BB962C8B-B14F-4D97-AF65-F5344CB8AC3E}">
+        <p14:creationId xmlns:p14="http://schemas.microsoft.com/office/powerpoint/2010/main" val="3223077095"/>
+      </p:ext>
+    </p:extLst>
+  </p:cSld>
+  <p:clrMapOvr>
+    <a:masterClrMapping/>
+  </p:clrMapOvr>
+</p:sld>
+</file>
+
+<file path=ppt/slides/slide11.xml><?xml version="1.0" encoding="utf-8"?>
+<p:sld xmlns:a="http://schemas.openxmlformats.org/drawingml/2006/main" xmlns:r="http://schemas.openxmlformats.org/officeDocument/2006/relationships" xmlns:p="http://schemas.openxmlformats.org/presentationml/2006/main">
+  <p:cSld>
+    <p:spTree>
+      <p:nvGrpSpPr>
+        <p:cNvPr id="1" name=""/>
+        <p:cNvGrpSpPr/>
+        <p:nvPr/>
+      </p:nvGrpSpPr>
+      <p:grpSpPr>
+        <a:xfrm>
+          <a:off x="0" y="0"/>
+          <a:ext cx="0" cy="0"/>
+          <a:chOff x="0" y="0"/>
+          <a:chExt cx="0" cy="0"/>
+        </a:xfrm>
+      </p:grpSpPr>
+      <p:sp>
+        <p:nvSpPr>
+          <p:cNvPr id="2" name="Title 1"/>
+          <p:cNvSpPr>
+            <a:spLocks noGrp="1"/>
+          </p:cNvSpPr>
+          <p:nvPr>
+            <p:ph type="title"/>
+          </p:nvPr>
+        </p:nvSpPr>
+        <p:spPr/>
+        <p:txBody>
+          <a:bodyPr/>
+          <a:lstStyle/>
+          <a:p>
+            <a:r>
+              <a:rPr lang="en-US" dirty="0" smtClean="0"/>
               <a:t>Cons</a:t>
             </a:r>
             <a:endParaRPr lang="en-US" dirty="0"/>
@@ -3958,11 +4153,7 @@
             </a:r>
             <a:r>
               <a:rPr lang="en-US" dirty="0" smtClean="0"/>
-              <a:t>/</a:t>
-            </a:r>
-            <a:r>
-              <a:rPr lang="en-US" smtClean="0"/>
-              <a:t>Stateless when to use one ?</a:t>
+              <a:t>/Stateless when to use one ?</a:t>
             </a:r>
             <a:endParaRPr lang="en-US" dirty="0" smtClean="0"/>
           </a:p>
@@ -4233,7 +4424,7 @@
         <p:spPr/>
         <p:txBody>
           <a:bodyPr>
-            <a:normAutofit lnSpcReduction="10000"/>
+            <a:normAutofit/>
           </a:bodyPr>
           <a:lstStyle/>
           <a:p>
@@ -4281,13 +4472,7 @@
               <a:rPr lang="en-US" dirty="0" smtClean="0"/>
               <a:t>Leaps</a:t>
             </a:r>
-          </a:p>
-          <a:p>
-            <a:r>
-              <a:rPr lang="en-US" dirty="0" smtClean="0"/>
-              <a:t>Forward/Backward Channing</a:t>
-            </a:r>
-            <a:endParaRPr lang="en-US" dirty="0"/>
+            <a:endParaRPr lang="en-US" dirty="0" smtClean="0"/>
           </a:p>
         </p:txBody>
       </p:sp>
@@ -4434,7 +4619,7 @@
           <a:p>
             <a:r>
               <a:rPr lang="en-US" dirty="0" smtClean="0"/>
-              <a:t>Implementations</a:t>
+              <a:t>Leftovers</a:t>
             </a:r>
             <a:endParaRPr lang="en-US" dirty="0"/>
           </a:p>
@@ -4456,34 +4641,47 @@
           <a:lstStyle/>
           <a:p>
             <a:r>
-              <a:rPr lang="en-US" dirty="0" smtClean="0"/>
-              <a:t>Examples are based on </a:t>
+              <a:rPr lang="en-US" dirty="0"/>
+              <a:t>Forward/Backward Channing</a:t>
+            </a:r>
+          </a:p>
+          <a:p>
+            <a:r>
+              <a:rPr lang="en-US" dirty="0" smtClean="0"/>
+              <a:t>Conflict Resolution</a:t>
+            </a:r>
+          </a:p>
+          <a:p>
+            <a:r>
+              <a:rPr lang="en-US" dirty="0" smtClean="0"/>
+              <a:t>Agenda</a:t>
+            </a:r>
+          </a:p>
+          <a:p>
+            <a:r>
+              <a:rPr lang="en-US" dirty="0" smtClean="0"/>
+              <a:t>Knowledge Agent</a:t>
+            </a:r>
+          </a:p>
+          <a:p>
+            <a:r>
+              <a:rPr lang="en-US" dirty="0" smtClean="0"/>
+              <a:t>Equals and </a:t>
             </a:r>
             <a:r>
               <a:rPr lang="en-US" dirty="0" err="1" smtClean="0"/>
-              <a:t>Jboss</a:t>
-            </a:r>
-            <a:r>
-              <a:rPr lang="en-US" dirty="0" smtClean="0"/>
-              <a:t> Rules/Drools.</a:t>
-            </a:r>
-          </a:p>
-          <a:p>
-            <a:r>
-              <a:rPr lang="en-US" dirty="0" smtClean="0"/>
-              <a:t>ILOG </a:t>
-            </a:r>
-          </a:p>
-          <a:p>
-            <a:r>
-              <a:rPr lang="en-US" dirty="0" smtClean="0"/>
-              <a:t>JESS</a:t>
-            </a:r>
-          </a:p>
-          <a:p>
-            <a:r>
-              <a:rPr lang="en-US" dirty="0" smtClean="0"/>
-              <a:t>Open Rules</a:t>
+              <a:t>HashCode</a:t>
+            </a:r>
+            <a:endParaRPr lang="en-US" dirty="0" smtClean="0"/>
+          </a:p>
+          <a:p>
+            <a:r>
+              <a:rPr lang="en-US" dirty="0" smtClean="0"/>
+              <a:t>Java </a:t>
+            </a:r>
+            <a:r>
+              <a:rPr lang="en-US" smtClean="0"/>
+              <a:t>Rule Engine API JSR94</a:t>
             </a:r>
             <a:endParaRPr lang="en-US" dirty="0"/>
           </a:p>
@@ -4492,7 +4690,7 @@
     </p:spTree>
     <p:extLst>
       <p:ext uri="{BB962C8B-B14F-4D97-AF65-F5344CB8AC3E}">
-        <p14:creationId xmlns:p14="http://schemas.microsoft.com/office/powerpoint/2010/main" val="3223077095"/>
+        <p14:creationId xmlns:p14="http://schemas.microsoft.com/office/powerpoint/2010/main" val="213928331"/>
       </p:ext>
     </p:extLst>
   </p:cSld>

--- a/rules.pptx
+++ b/rules.pptx
@@ -202,7 +202,7 @@
           <a:p>
             <a:fld id="{BBE42ECC-B49B-D44D-B64D-08EA55F4C6A4}" type="datetimeFigureOut">
               <a:rPr lang="en-US" smtClean="0"/>
-              <a:t>8/25/11</a:t>
+              <a:t>8/26/11</a:t>
             </a:fld>
             <a:endParaRPr lang="en-US"/>
           </a:p>
@@ -830,7 +830,7 @@
           <a:p>
             <a:fld id="{02FC22FD-D13F-B744-AEDB-5B3D2810662E}" type="datetimeFigureOut">
               <a:rPr lang="en-US" smtClean="0"/>
-              <a:t>8/25/11</a:t>
+              <a:t>8/26/11</a:t>
             </a:fld>
             <a:endParaRPr lang="en-US"/>
           </a:p>
@@ -1000,7 +1000,7 @@
           <a:p>
             <a:fld id="{02FC22FD-D13F-B744-AEDB-5B3D2810662E}" type="datetimeFigureOut">
               <a:rPr lang="en-US" smtClean="0"/>
-              <a:t>8/25/11</a:t>
+              <a:t>8/26/11</a:t>
             </a:fld>
             <a:endParaRPr lang="en-US"/>
           </a:p>
@@ -1180,7 +1180,7 @@
           <a:p>
             <a:fld id="{02FC22FD-D13F-B744-AEDB-5B3D2810662E}" type="datetimeFigureOut">
               <a:rPr lang="en-US" smtClean="0"/>
-              <a:t>8/25/11</a:t>
+              <a:t>8/26/11</a:t>
             </a:fld>
             <a:endParaRPr lang="en-US"/>
           </a:p>
@@ -1350,7 +1350,7 @@
           <a:p>
             <a:fld id="{02FC22FD-D13F-B744-AEDB-5B3D2810662E}" type="datetimeFigureOut">
               <a:rPr lang="en-US" smtClean="0"/>
-              <a:t>8/25/11</a:t>
+              <a:t>8/26/11</a:t>
             </a:fld>
             <a:endParaRPr lang="en-US"/>
           </a:p>
@@ -1596,7 +1596,7 @@
           <a:p>
             <a:fld id="{02FC22FD-D13F-B744-AEDB-5B3D2810662E}" type="datetimeFigureOut">
               <a:rPr lang="en-US" smtClean="0"/>
-              <a:t>8/25/11</a:t>
+              <a:t>8/26/11</a:t>
             </a:fld>
             <a:endParaRPr lang="en-US"/>
           </a:p>
@@ -1884,7 +1884,7 @@
           <a:p>
             <a:fld id="{02FC22FD-D13F-B744-AEDB-5B3D2810662E}" type="datetimeFigureOut">
               <a:rPr lang="en-US" smtClean="0"/>
-              <a:t>8/25/11</a:t>
+              <a:t>8/26/11</a:t>
             </a:fld>
             <a:endParaRPr lang="en-US"/>
           </a:p>
@@ -2306,7 +2306,7 @@
           <a:p>
             <a:fld id="{02FC22FD-D13F-B744-AEDB-5B3D2810662E}" type="datetimeFigureOut">
               <a:rPr lang="en-US" smtClean="0"/>
-              <a:t>8/25/11</a:t>
+              <a:t>8/26/11</a:t>
             </a:fld>
             <a:endParaRPr lang="en-US"/>
           </a:p>
@@ -2424,7 +2424,7 @@
           <a:p>
             <a:fld id="{02FC22FD-D13F-B744-AEDB-5B3D2810662E}" type="datetimeFigureOut">
               <a:rPr lang="en-US" smtClean="0"/>
-              <a:t>8/25/11</a:t>
+              <a:t>8/26/11</a:t>
             </a:fld>
             <a:endParaRPr lang="en-US"/>
           </a:p>
@@ -2519,7 +2519,7 @@
           <a:p>
             <a:fld id="{02FC22FD-D13F-B744-AEDB-5B3D2810662E}" type="datetimeFigureOut">
               <a:rPr lang="en-US" smtClean="0"/>
-              <a:t>8/25/11</a:t>
+              <a:t>8/26/11</a:t>
             </a:fld>
             <a:endParaRPr lang="en-US"/>
           </a:p>
@@ -2796,7 +2796,7 @@
           <a:p>
             <a:fld id="{02FC22FD-D13F-B744-AEDB-5B3D2810662E}" type="datetimeFigureOut">
               <a:rPr lang="en-US" smtClean="0"/>
-              <a:t>8/25/11</a:t>
+              <a:t>8/26/11</a:t>
             </a:fld>
             <a:endParaRPr lang="en-US"/>
           </a:p>
@@ -3049,7 +3049,7 @@
           <a:p>
             <a:fld id="{02FC22FD-D13F-B744-AEDB-5B3D2810662E}" type="datetimeFigureOut">
               <a:rPr lang="en-US" smtClean="0"/>
-              <a:t>8/25/11</a:t>
+              <a:t>8/26/11</a:t>
             </a:fld>
             <a:endParaRPr lang="en-US"/>
           </a:p>
@@ -3262,7 +3262,7 @@
           <a:p>
             <a:fld id="{02FC22FD-D13F-B744-AEDB-5B3D2810662E}" type="datetimeFigureOut">
               <a:rPr lang="en-US" smtClean="0"/>
-              <a:t>8/25/11</a:t>
+              <a:t>8/26/11</a:t>
             </a:fld>
             <a:endParaRPr lang="en-US"/>
           </a:p>
@@ -4016,7 +4016,7 @@
         <p:spPr/>
         <p:txBody>
           <a:bodyPr>
-            <a:normAutofit lnSpcReduction="10000"/>
+            <a:normAutofit fontScale="92500" lnSpcReduction="10000"/>
           </a:bodyPr>
           <a:lstStyle/>
           <a:p>
@@ -4057,7 +4057,18 @@
             <a:pPr lvl="1"/>
             <a:r>
               <a:rPr lang="en-US" dirty="0" smtClean="0"/>
-              <a:t>Agent availability.</a:t>
+              <a:t>Agent availability</a:t>
+            </a:r>
+            <a:r>
+              <a:rPr lang="en-US" dirty="0" smtClean="0"/>
+              <a:t>.</a:t>
+            </a:r>
+          </a:p>
+          <a:p>
+            <a:pPr lvl="1"/>
+            <a:r>
+              <a:rPr lang="en-US" dirty="0" smtClean="0"/>
+              <a:t>…</a:t>
             </a:r>
             <a:endParaRPr lang="en-US" dirty="0"/>
           </a:p>
@@ -4133,7 +4144,11 @@
           <a:p>
             <a:r>
               <a:rPr lang="en-US" dirty="0" smtClean="0"/>
-              <a:t>Decision Tables</a:t>
+              <a:t>Decision </a:t>
+            </a:r>
+            <a:r>
+              <a:rPr lang="en-US" dirty="0" smtClean="0"/>
+              <a:t>Tables: Are precise but compact way of representing complicated logic.</a:t>
             </a:r>
           </a:p>
           <a:p>
@@ -4155,7 +4170,6 @@
               <a:rPr lang="en-US" dirty="0" smtClean="0"/>
               <a:t>/Stateless when to use one ?</a:t>
             </a:r>
-            <a:endParaRPr lang="en-US" dirty="0" smtClean="0"/>
           </a:p>
           <a:p>
             <a:endParaRPr lang="en-US" dirty="0"/>
@@ -4472,7 +4486,6 @@
               <a:rPr lang="en-US" dirty="0" smtClean="0"/>
               <a:t>Leaps</a:t>
             </a:r>
-            <a:endParaRPr lang="en-US" dirty="0" smtClean="0"/>
           </a:p>
         </p:txBody>
       </p:sp>
